--- a/5_Architecture/ArchTechnology.pptx
+++ b/5_Architecture/ArchTechnology.pptx
@@ -9,10 +9,10 @@
   </p:notesMasterIdLst>
   <p:sldIdLst>
     <p:sldId id="256" r:id="rId2"/>
-    <p:sldId id="264" r:id="rId3"/>
-    <p:sldId id="269" r:id="rId4"/>
-    <p:sldId id="268" r:id="rId5"/>
-    <p:sldId id="270" r:id="rId6"/>
+    <p:sldId id="271" r:id="rId3"/>
+    <p:sldId id="268" r:id="rId4"/>
+    <p:sldId id="270" r:id="rId5"/>
+    <p:sldId id="272" r:id="rId6"/>
   </p:sldIdLst>
   <p:sldSz cx="9144000" cy="6858000" type="screen4x3"/>
   <p:notesSz cx="6858000" cy="9144000"/>
@@ -117,10 +117,10 @@
         <p14:section name="Default Section" id="{B3A28461-2A8D-4B7C-9557-3C5E3A7C722B}">
           <p14:sldIdLst>
             <p14:sldId id="256"/>
-            <p14:sldId id="264"/>
-            <p14:sldId id="269"/>
+            <p14:sldId id="271"/>
             <p14:sldId id="268"/>
             <p14:sldId id="270"/>
+            <p14:sldId id="272"/>
           </p14:sldIdLst>
         </p14:section>
       </p14:sectionLst>
@@ -211,7 +211,7 @@
           <a:p>
             <a:fld id="{F22989BA-3C5F-4F80-A9D7-D27839801F77}" type="datetimeFigureOut">
               <a:rPr lang="sv-SE" smtClean="0"/>
-              <a:t>2016-12-16</a:t>
+              <a:t>2017-02-09</a:t>
             </a:fld>
             <a:endParaRPr lang="sv-SE"/>
           </a:p>
@@ -661,7 +661,7 @@
             <a:fld id="{1D8BD707-D9CF-40AE-B4C6-C98DA3205C09}" type="datetimeFigureOut">
               <a:rPr lang="en-US" smtClean="0"/>
               <a:pPr/>
-              <a:t>12/16/2016</a:t>
+              <a:t>2/9/2017</a:t>
             </a:fld>
             <a:endParaRPr lang="en-US"/>
           </a:p>
@@ -828,7 +828,7 @@
             <a:fld id="{1D8BD707-D9CF-40AE-B4C6-C98DA3205C09}" type="datetimeFigureOut">
               <a:rPr lang="en-US" smtClean="0"/>
               <a:pPr/>
-              <a:t>12/16/2016</a:t>
+              <a:t>2/9/2017</a:t>
             </a:fld>
             <a:endParaRPr lang="en-US"/>
           </a:p>
@@ -1005,7 +1005,7 @@
             <a:fld id="{1D8BD707-D9CF-40AE-B4C6-C98DA3205C09}" type="datetimeFigureOut">
               <a:rPr lang="en-US" smtClean="0"/>
               <a:pPr/>
-              <a:t>12/16/2016</a:t>
+              <a:t>2/9/2017</a:t>
             </a:fld>
             <a:endParaRPr lang="en-US"/>
           </a:p>
@@ -1172,7 +1172,7 @@
             <a:fld id="{1D8BD707-D9CF-40AE-B4C6-C98DA3205C09}" type="datetimeFigureOut">
               <a:rPr lang="en-US" smtClean="0"/>
               <a:pPr/>
-              <a:t>12/16/2016</a:t>
+              <a:t>2/9/2017</a:t>
             </a:fld>
             <a:endParaRPr lang="en-US"/>
           </a:p>
@@ -1415,7 +1415,7 @@
             <a:fld id="{1D8BD707-D9CF-40AE-B4C6-C98DA3205C09}" type="datetimeFigureOut">
               <a:rPr lang="en-US" smtClean="0"/>
               <a:pPr/>
-              <a:t>12/16/2016</a:t>
+              <a:t>2/9/2017</a:t>
             </a:fld>
             <a:endParaRPr lang="en-US"/>
           </a:p>
@@ -1700,7 +1700,7 @@
             <a:fld id="{1D8BD707-D9CF-40AE-B4C6-C98DA3205C09}" type="datetimeFigureOut">
               <a:rPr lang="en-US" smtClean="0"/>
               <a:pPr/>
-              <a:t>12/16/2016</a:t>
+              <a:t>2/9/2017</a:t>
             </a:fld>
             <a:endParaRPr lang="en-US"/>
           </a:p>
@@ -2119,7 +2119,7 @@
             <a:fld id="{1D8BD707-D9CF-40AE-B4C6-C98DA3205C09}" type="datetimeFigureOut">
               <a:rPr lang="en-US" smtClean="0"/>
               <a:pPr/>
-              <a:t>12/16/2016</a:t>
+              <a:t>2/9/2017</a:t>
             </a:fld>
             <a:endParaRPr lang="en-US"/>
           </a:p>
@@ -2234,7 +2234,7 @@
             <a:fld id="{1D8BD707-D9CF-40AE-B4C6-C98DA3205C09}" type="datetimeFigureOut">
               <a:rPr lang="en-US" smtClean="0"/>
               <a:pPr/>
-              <a:t>12/16/2016</a:t>
+              <a:t>2/9/2017</a:t>
             </a:fld>
             <a:endParaRPr lang="en-US"/>
           </a:p>
@@ -2326,7 +2326,7 @@
             <a:fld id="{1D8BD707-D9CF-40AE-B4C6-C98DA3205C09}" type="datetimeFigureOut">
               <a:rPr lang="en-US" smtClean="0"/>
               <a:pPr/>
-              <a:t>12/16/2016</a:t>
+              <a:t>2/9/2017</a:t>
             </a:fld>
             <a:endParaRPr lang="en-US"/>
           </a:p>
@@ -2600,7 +2600,7 @@
             <a:fld id="{1D8BD707-D9CF-40AE-B4C6-C98DA3205C09}" type="datetimeFigureOut">
               <a:rPr lang="en-US" smtClean="0"/>
               <a:pPr/>
-              <a:t>12/16/2016</a:t>
+              <a:t>2/9/2017</a:t>
             </a:fld>
             <a:endParaRPr lang="en-US"/>
           </a:p>
@@ -2850,7 +2850,7 @@
             <a:fld id="{1D8BD707-D9CF-40AE-B4C6-C98DA3205C09}" type="datetimeFigureOut">
               <a:rPr lang="en-US" smtClean="0"/>
               <a:pPr/>
-              <a:t>12/16/2016</a:t>
+              <a:t>2/9/2017</a:t>
             </a:fld>
             <a:endParaRPr lang="en-US"/>
           </a:p>
@@ -3060,7 +3060,7 @@
             <a:fld id="{1D8BD707-D9CF-40AE-B4C6-C98DA3205C09}" type="datetimeFigureOut">
               <a:rPr lang="en-US" smtClean="0"/>
               <a:pPr/>
-              <a:t>12/16/2016</a:t>
+              <a:t>2/9/2017</a:t>
             </a:fld>
             <a:endParaRPr lang="en-US"/>
           </a:p>
@@ -3498,7 +3498,7 @@
 </file>
 
 <file path=ppt/slides/slide2.xml><?xml version="1.0" encoding="utf-8"?>
-<p:sld xmlns:a="http://schemas.openxmlformats.org/drawingml/2006/main" xmlns:r="http://schemas.openxmlformats.org/officeDocument/2006/relationships" xmlns:p="http://schemas.openxmlformats.org/presentationml/2006/main" show="0">
+<p:sld xmlns:a="http://schemas.openxmlformats.org/drawingml/2006/main" xmlns:r="http://schemas.openxmlformats.org/officeDocument/2006/relationships" xmlns:p="http://schemas.openxmlformats.org/presentationml/2006/main">
   <p:cSld>
     <p:spTree>
       <p:nvGrpSpPr>
@@ -3516,7 +3516,7 @@
       </p:grpSpPr>
       <p:sp>
         <p:nvSpPr>
-          <p:cNvPr id="7" name="Title 6"/>
+          <p:cNvPr id="4" name="Title 3"/>
           <p:cNvSpPr>
             <a:spLocks noGrp="1"/>
           </p:cNvSpPr>
@@ -3526,8 +3526,8 @@
         </p:nvSpPr>
         <p:spPr>
           <a:xfrm>
-            <a:off x="609600" y="274638"/>
-            <a:ext cx="8077200" cy="563562"/>
+            <a:off x="457200" y="274638"/>
+            <a:ext cx="8229600" cy="715962"/>
           </a:xfrm>
         </p:spPr>
         <p:txBody>
@@ -3538,21 +3538,46 @@
           <a:p>
             <a:r>
               <a:rPr lang="sv-SE" dirty="0" smtClean="0"/>
-              <a:t>Rich Web Client – Restful Services </a:t>
-            </a:r>
+              <a:t>Rich Web Client – Restful Services</a:t>
+            </a:r>
+            <a:endParaRPr lang="sv-SE" dirty="0"/>
+          </a:p>
+        </p:txBody>
+      </p:sp>
+      <p:sp>
+        <p:nvSpPr>
+          <p:cNvPr id="5" name="Content Placeholder 4"/>
+          <p:cNvSpPr>
+            <a:spLocks noGrp="1"/>
+          </p:cNvSpPr>
+          <p:nvPr>
+            <p:ph sz="half" idx="1"/>
+          </p:nvPr>
+        </p:nvSpPr>
+        <p:spPr>
+          <a:xfrm>
+            <a:off x="457200" y="1219201"/>
+            <a:ext cx="3505200" cy="4876799"/>
+          </a:xfrm>
+        </p:spPr>
+        <p:txBody>
+          <a:bodyPr/>
+          <a:lstStyle/>
+          <a:p>
+            <a:endParaRPr lang="sv-SE" dirty="0" smtClean="0"/>
+          </a:p>
+          <a:p>
             <a:endParaRPr lang="sv-SE" dirty="0"/>
           </a:p>
         </p:txBody>
       </p:sp>
       <p:pic>
         <p:nvPicPr>
-          <p:cNvPr id="10" name="Picture 2"/>
+          <p:cNvPr id="6" name="Picture 2"/>
           <p:cNvPicPr>
-            <a:picLocks noGrp="1" noChangeAspect="1" noChangeArrowheads="1"/>
+            <a:picLocks noChangeAspect="1" noChangeArrowheads="1"/>
           </p:cNvPicPr>
-          <p:nvPr>
-            <p:ph idx="1"/>
-          </p:nvPr>
+          <p:nvPr/>
         </p:nvPicPr>
         <p:blipFill>
           <a:blip r:embed="rId2">
@@ -3569,192 +3594,7 @@
         </p:blipFill>
         <p:spPr bwMode="auto">
           <a:xfrm>
-            <a:off x="1697957" y="1219200"/>
-            <a:ext cx="5748086" cy="5486400"/>
-          </a:xfrm>
-          <a:prstGeom prst="rect">
-            <a:avLst/>
-          </a:prstGeom>
-          <a:noFill/>
-          <a:ln>
-            <a:noFill/>
-          </a:ln>
-          <a:extLst>
-            <a:ext uri="{909E8E84-426E-40DD-AFC4-6F175D3DCCD1}">
-              <a14:hiddenFill xmlns:a14="http://schemas.microsoft.com/office/drawing/2010/main">
-                <a:solidFill>
-                  <a:schemeClr val="accent1"/>
-                </a:solidFill>
-              </a14:hiddenFill>
-            </a:ext>
-            <a:ext uri="{91240B29-F687-4F45-9708-019B960494DF}">
-              <a14:hiddenLine xmlns:a14="http://schemas.microsoft.com/office/drawing/2010/main" w="9525">
-                <a:solidFill>
-                  <a:schemeClr val="tx1"/>
-                </a:solidFill>
-                <a:miter lim="800000"/>
-                <a:headEnd/>
-                <a:tailEnd/>
-              </a14:hiddenLine>
-            </a:ext>
-          </a:extLst>
-        </p:spPr>
-      </p:pic>
-    </p:spTree>
-    <p:extLst>
-      <p:ext uri="{BB962C8B-B14F-4D97-AF65-F5344CB8AC3E}">
-        <p14:creationId xmlns:p14="http://schemas.microsoft.com/office/powerpoint/2010/main" val="43433377"/>
-      </p:ext>
-    </p:extLst>
-  </p:cSld>
-  <p:clrMapOvr>
-    <a:masterClrMapping/>
-  </p:clrMapOvr>
-  <mc:AlternateContent xmlns:mc="http://schemas.openxmlformats.org/markup-compatibility/2006">
-    <mc:Choice xmlns:p14="http://schemas.microsoft.com/office/powerpoint/2010/main" Requires="p14">
-      <p:transition spd="slow" p14:dur="2000"/>
-    </mc:Choice>
-    <mc:Fallback>
-      <p:transition spd="slow"/>
-    </mc:Fallback>
-  </mc:AlternateContent>
-  <p:timing>
-    <p:tnLst>
-      <p:par>
-        <p:cTn id="1" dur="indefinite" restart="never" nodeType="tmRoot"/>
-      </p:par>
-    </p:tnLst>
-  </p:timing>
-</p:sld>
-</file>
-
-<file path=ppt/slides/slide3.xml><?xml version="1.0" encoding="utf-8"?>
-<p:sld xmlns:a="http://schemas.openxmlformats.org/drawingml/2006/main" xmlns:r="http://schemas.openxmlformats.org/officeDocument/2006/relationships" xmlns:p="http://schemas.openxmlformats.org/presentationml/2006/main">
-  <p:cSld>
-    <p:spTree>
-      <p:nvGrpSpPr>
-        <p:cNvPr id="1" name=""/>
-        <p:cNvGrpSpPr/>
-        <p:nvPr/>
-      </p:nvGrpSpPr>
-      <p:grpSpPr>
-        <a:xfrm>
-          <a:off x="0" y="0"/>
-          <a:ext cx="0" cy="0"/>
-          <a:chOff x="0" y="0"/>
-          <a:chExt cx="0" cy="0"/>
-        </a:xfrm>
-      </p:grpSpPr>
-      <p:sp>
-        <p:nvSpPr>
-          <p:cNvPr id="4" name="Title 3"/>
-          <p:cNvSpPr>
-            <a:spLocks noGrp="1"/>
-          </p:cNvSpPr>
-          <p:nvPr>
-            <p:ph type="title"/>
-          </p:nvPr>
-        </p:nvSpPr>
-        <p:spPr>
-          <a:xfrm>
-            <a:off x="457200" y="274638"/>
-            <a:ext cx="8229600" cy="715962"/>
-          </a:xfrm>
-        </p:spPr>
-        <p:txBody>
-          <a:bodyPr>
-            <a:normAutofit fontScale="90000"/>
-          </a:bodyPr>
-          <a:lstStyle/>
-          <a:p>
-            <a:r>
-              <a:rPr lang="sv-SE" dirty="0" smtClean="0"/>
-              <a:t>Rich Web Client – Restful Services</a:t>
-            </a:r>
-            <a:endParaRPr lang="sv-SE" dirty="0"/>
-          </a:p>
-        </p:txBody>
-      </p:sp>
-      <p:sp>
-        <p:nvSpPr>
-          <p:cNvPr id="5" name="Content Placeholder 4"/>
-          <p:cNvSpPr>
-            <a:spLocks noGrp="1"/>
-          </p:cNvSpPr>
-          <p:nvPr>
-            <p:ph sz="half" idx="1"/>
-          </p:nvPr>
-        </p:nvSpPr>
-        <p:spPr>
-          <a:xfrm>
-            <a:off x="457200" y="1219201"/>
-            <a:ext cx="3505200" cy="4876799"/>
-          </a:xfrm>
-        </p:spPr>
-        <p:txBody>
-          <a:bodyPr/>
-          <a:lstStyle/>
-          <a:p>
-            <a:r>
-              <a:rPr lang="sv-SE" dirty="0" smtClean="0"/>
-              <a:t>Portability</a:t>
-            </a:r>
-          </a:p>
-          <a:p>
-            <a:pPr lvl="1"/>
-            <a:r>
-              <a:rPr lang="sv-SE" dirty="0" smtClean="0"/>
-              <a:t>Client not tied to a desktop/laptop</a:t>
-            </a:r>
-          </a:p>
-          <a:p>
-            <a:pPr lvl="1"/>
-            <a:r>
-              <a:rPr lang="sv-SE" dirty="0" smtClean="0"/>
-              <a:t>Also mobile,tablet other devices</a:t>
-            </a:r>
-          </a:p>
-          <a:p>
-            <a:pPr lvl="1"/>
-            <a:r>
-              <a:rPr lang="sv-SE" dirty="0" smtClean="0"/>
-              <a:t>Same Client/Server technology used for all solutions</a:t>
-            </a:r>
-          </a:p>
-          <a:p>
-            <a:endParaRPr lang="sv-SE" dirty="0" smtClean="0"/>
-          </a:p>
-          <a:p>
-            <a:endParaRPr lang="sv-SE" dirty="0"/>
-          </a:p>
-        </p:txBody>
-      </p:sp>
-      <p:pic>
-        <p:nvPicPr>
-          <p:cNvPr id="7" name="Picture 2"/>
-          <p:cNvPicPr>
-            <a:picLocks noGrp="1" noChangeAspect="1" noChangeArrowheads="1"/>
-          </p:cNvPicPr>
-          <p:nvPr>
-            <p:ph sz="half" idx="2"/>
-          </p:nvPr>
-        </p:nvPicPr>
-        <p:blipFill>
-          <a:blip r:embed="rId2">
-            <a:extLst>
-              <a:ext uri="{28A0092B-C50C-407E-A947-70E740481C1C}">
-                <a14:useLocalDpi xmlns:a14="http://schemas.microsoft.com/office/drawing/2010/main" val="0"/>
-              </a:ext>
-            </a:extLst>
-          </a:blip>
-          <a:srcRect/>
-          <a:stretch>
-            <a:fillRect/>
-          </a:stretch>
-        </p:blipFill>
-        <p:spPr bwMode="auto">
-          <a:xfrm>
-            <a:off x="4343400" y="1295400"/>
+            <a:off x="304800" y="1219200"/>
             <a:ext cx="4572000" cy="4495800"/>
           </a:xfrm>
           <a:prstGeom prst="rect">
@@ -3785,10 +3625,84 @@
           </a:extLst>
         </p:spPr>
       </p:pic>
+      <p:sp>
+        <p:nvSpPr>
+          <p:cNvPr id="2" name="Content Placeholder 1"/>
+          <p:cNvSpPr>
+            <a:spLocks noGrp="1"/>
+          </p:cNvSpPr>
+          <p:nvPr>
+            <p:ph sz="half" idx="2"/>
+          </p:nvPr>
+        </p:nvSpPr>
+        <p:spPr>
+          <a:xfrm>
+            <a:off x="5105400" y="1676400"/>
+            <a:ext cx="3886200" cy="4525963"/>
+          </a:xfrm>
+        </p:spPr>
+        <p:txBody>
+          <a:bodyPr>
+            <a:normAutofit/>
+          </a:bodyPr>
+          <a:lstStyle/>
+          <a:p>
+            <a:pPr marL="457200" lvl="1" indent="0">
+              <a:buNone/>
+            </a:pPr>
+            <a:r>
+              <a:rPr lang="sv-SE" sz="1600" dirty="0" smtClean="0"/>
+              <a:t>- Solutions runnable on different devices: </a:t>
+            </a:r>
+          </a:p>
+          <a:p>
+            <a:pPr marL="457200" lvl="1" indent="0">
+              <a:buNone/>
+            </a:pPr>
+            <a:r>
+              <a:rPr lang="sv-SE" sz="1600" dirty="0" smtClean="0"/>
+              <a:t>(desktop/laptop/Tablet/Mobile)</a:t>
+            </a:r>
+          </a:p>
+          <a:p>
+            <a:pPr marL="457200" lvl="1" indent="0">
+              <a:buNone/>
+            </a:pPr>
+            <a:r>
+              <a:rPr lang="sv-SE" sz="1600" dirty="0" smtClean="0"/>
+              <a:t>- Client </a:t>
+            </a:r>
+            <a:r>
+              <a:rPr lang="sv-SE" sz="1600" dirty="0"/>
+              <a:t>not tied to a desktop/laptop</a:t>
+            </a:r>
+          </a:p>
+          <a:p>
+            <a:pPr marL="457200" lvl="1" indent="0">
+              <a:buNone/>
+            </a:pPr>
+            <a:r>
+              <a:rPr lang="sv-SE" sz="1600" dirty="0" smtClean="0"/>
+              <a:t>- Same </a:t>
+            </a:r>
+            <a:r>
+              <a:rPr lang="sv-SE" sz="1600" dirty="0"/>
+              <a:t>Client/Server technology used for all </a:t>
+            </a:r>
+            <a:r>
+              <a:rPr lang="sv-SE" sz="1600" dirty="0" smtClean="0"/>
+              <a:t>devices</a:t>
+            </a:r>
+          </a:p>
+          <a:p>
+            <a:endParaRPr lang="sv-SE" sz="1600" dirty="0"/>
+          </a:p>
+        </p:txBody>
+      </p:sp>
     </p:spTree>
     <p:extLst>
       <p:ext uri="{BB962C8B-B14F-4D97-AF65-F5344CB8AC3E}">
-        <p14:creationId xmlns:p14="http://schemas.microsoft.com/office/powerpoint/2010/main" val="296278562"/>
+        <p14:creationId xmlns:p14="http://schemas.microsoft.com/office/powerpoint/2010/main" val="456626922"/>
       </p:ext>
     </p:extLst>
   </p:cSld>
@@ -3805,7 +3719,7 @@
 </p:sld>
 </file>
 
-<file path=ppt/slides/slide4.xml><?xml version="1.0" encoding="utf-8"?>
+<file path=ppt/slides/slide3.xml><?xml version="1.0" encoding="utf-8"?>
 <p:sld xmlns:a="http://schemas.openxmlformats.org/drawingml/2006/main" xmlns:r="http://schemas.openxmlformats.org/officeDocument/2006/relationships" xmlns:p="http://schemas.openxmlformats.org/presentationml/2006/main">
   <p:cSld>
     <p:spTree>
@@ -3841,7 +3755,7 @@
           <a:p>
             <a:r>
               <a:rPr lang="sv-SE" sz="2800" dirty="0" smtClean="0"/>
-              <a:t>Technology</a:t>
+              <a:t>Technologies</a:t>
             </a:r>
             <a:endParaRPr lang="sv-SE" sz="2800" dirty="0"/>
           </a:p>
@@ -3849,7 +3763,7 @@
       </p:sp>
       <p:pic>
         <p:nvPicPr>
-          <p:cNvPr id="2051" name="Picture 3"/>
+          <p:cNvPr id="1025" name="Picture 1"/>
           <p:cNvPicPr>
             <a:picLocks noGrp="1" noChangeAspect="1" noChangeArrowheads="1"/>
           </p:cNvPicPr>
@@ -3872,8 +3786,8 @@
         </p:blipFill>
         <p:spPr bwMode="auto">
           <a:xfrm>
-            <a:off x="1948875" y="1811626"/>
-            <a:ext cx="5246250" cy="4103110"/>
+            <a:off x="1720259" y="1684595"/>
+            <a:ext cx="5823541" cy="4700068"/>
           </a:xfrm>
           <a:prstGeom prst="rect">
             <a:avLst/>
@@ -3941,6 +3855,113 @@
 </p:sld>
 </file>
 
+<file path=ppt/slides/slide4.xml><?xml version="1.0" encoding="utf-8"?>
+<p:sld xmlns:a="http://schemas.openxmlformats.org/drawingml/2006/main" xmlns:r="http://schemas.openxmlformats.org/officeDocument/2006/relationships" xmlns:p="http://schemas.openxmlformats.org/presentationml/2006/main">
+  <p:cSld>
+    <p:spTree>
+      <p:nvGrpSpPr>
+        <p:cNvPr id="1" name=""/>
+        <p:cNvGrpSpPr/>
+        <p:nvPr/>
+      </p:nvGrpSpPr>
+      <p:grpSpPr>
+        <a:xfrm>
+          <a:off x="0" y="0"/>
+          <a:ext cx="0" cy="0"/>
+          <a:chOff x="0" y="0"/>
+          <a:chExt cx="0" cy="0"/>
+        </a:xfrm>
+      </p:grpSpPr>
+      <p:sp>
+        <p:nvSpPr>
+          <p:cNvPr id="5" name="Title 4"/>
+          <p:cNvSpPr>
+            <a:spLocks noGrp="1"/>
+          </p:cNvSpPr>
+          <p:nvPr>
+            <p:ph type="title"/>
+          </p:nvPr>
+        </p:nvSpPr>
+        <p:spPr/>
+        <p:txBody>
+          <a:bodyPr/>
+          <a:lstStyle/>
+          <a:p>
+            <a:r>
+              <a:rPr lang="sv-SE" dirty="0" smtClean="0"/>
+              <a:t>Reuse Gloria Technologies </a:t>
+            </a:r>
+            <a:endParaRPr lang="sv-SE" dirty="0"/>
+          </a:p>
+        </p:txBody>
+      </p:sp>
+      <p:sp>
+        <p:nvSpPr>
+          <p:cNvPr id="6" name="Content Placeholder 5"/>
+          <p:cNvSpPr>
+            <a:spLocks noGrp="1"/>
+          </p:cNvSpPr>
+          <p:nvPr>
+            <p:ph idx="1"/>
+          </p:nvPr>
+        </p:nvSpPr>
+        <p:spPr/>
+        <p:txBody>
+          <a:bodyPr/>
+          <a:lstStyle/>
+          <a:p>
+            <a:r>
+              <a:rPr lang="sv-SE" dirty="0" smtClean="0"/>
+              <a:t>Gloria as reference Architecture</a:t>
+            </a:r>
+          </a:p>
+          <a:p>
+            <a:r>
+              <a:rPr lang="sv-SE" dirty="0" smtClean="0"/>
+              <a:t>Design examples</a:t>
+            </a:r>
+          </a:p>
+          <a:p>
+            <a:r>
+              <a:rPr lang="sv-SE" dirty="0" smtClean="0"/>
+              <a:t>Code examples</a:t>
+            </a:r>
+          </a:p>
+          <a:p>
+            <a:r>
+              <a:rPr lang="sv-SE" smtClean="0"/>
+              <a:t>Competence re-use</a:t>
+            </a:r>
+            <a:endParaRPr lang="sv-SE" dirty="0" smtClean="0"/>
+          </a:p>
+          <a:p>
+            <a:pPr marL="0" indent="0">
+              <a:buNone/>
+            </a:pPr>
+            <a:endParaRPr lang="sv-SE" dirty="0"/>
+          </a:p>
+        </p:txBody>
+      </p:sp>
+    </p:spTree>
+    <p:extLst>
+      <p:ext uri="{BB962C8B-B14F-4D97-AF65-F5344CB8AC3E}">
+        <p14:creationId xmlns:p14="http://schemas.microsoft.com/office/powerpoint/2010/main" val="3364964212"/>
+      </p:ext>
+    </p:extLst>
+  </p:cSld>
+  <p:clrMapOvr>
+    <a:masterClrMapping/>
+  </p:clrMapOvr>
+  <p:timing>
+    <p:tnLst>
+      <p:par>
+        <p:cTn id="1" dur="indefinite" restart="never" nodeType="tmRoot"/>
+      </p:par>
+    </p:tnLst>
+  </p:timing>
+</p:sld>
+</file>
+
 <file path=ppt/slides/slide5.xml><?xml version="1.0" encoding="utf-8"?>
 <p:sld xmlns:a="http://schemas.openxmlformats.org/drawingml/2006/main" xmlns:r="http://schemas.openxmlformats.org/officeDocument/2006/relationships" xmlns:p="http://schemas.openxmlformats.org/presentationml/2006/main">
   <p:cSld>
@@ -3960,7 +3981,7 @@
       </p:grpSpPr>
       <p:sp>
         <p:nvSpPr>
-          <p:cNvPr id="5" name="Title 4"/>
+          <p:cNvPr id="2" name="Title 1"/>
           <p:cNvSpPr>
             <a:spLocks noGrp="1"/>
           </p:cNvSpPr>
@@ -3975,76 +3996,88 @@
           <a:p>
             <a:r>
               <a:rPr lang="sv-SE" dirty="0" smtClean="0"/>
-              <a:t>Reuse Gloria Technologies </a:t>
+              <a:t>JVS/NVS</a:t>
             </a:r>
             <a:endParaRPr lang="sv-SE" dirty="0"/>
           </a:p>
         </p:txBody>
       </p:sp>
-      <p:sp>
-        <p:nvSpPr>
-          <p:cNvPr id="6" name="Content Placeholder 5"/>
-          <p:cNvSpPr>
-            <a:spLocks noGrp="1"/>
-          </p:cNvSpPr>
+      <p:pic>
+        <p:nvPicPr>
+          <p:cNvPr id="2050" name="Picture 2"/>
+          <p:cNvPicPr>
+            <a:picLocks noGrp="1" noChangeAspect="1" noChangeArrowheads="1"/>
+          </p:cNvPicPr>
           <p:nvPr>
             <p:ph idx="1"/>
           </p:nvPr>
-        </p:nvSpPr>
-        <p:spPr/>
-        <p:txBody>
-          <a:bodyPr/>
-          <a:lstStyle/>
-          <a:p>
-            <a:r>
-              <a:rPr lang="sv-SE" dirty="0" smtClean="0"/>
-              <a:t>Gloria as reference Architecture</a:t>
-            </a:r>
-          </a:p>
-          <a:p>
-            <a:r>
-              <a:rPr lang="sv-SE" dirty="0" smtClean="0"/>
-              <a:t>Design examples</a:t>
-            </a:r>
-          </a:p>
-          <a:p>
-            <a:r>
-              <a:rPr lang="sv-SE" dirty="0" smtClean="0"/>
-              <a:t>Code examples</a:t>
-            </a:r>
-          </a:p>
-          <a:p>
-            <a:r>
-              <a:rPr lang="sv-SE" smtClean="0"/>
-              <a:t>Competence re-use</a:t>
-            </a:r>
-            <a:endParaRPr lang="sv-SE" dirty="0" smtClean="0"/>
-          </a:p>
-          <a:p>
-            <a:pPr marL="0" indent="0">
-              <a:buNone/>
-            </a:pPr>
-            <a:endParaRPr lang="sv-SE" dirty="0"/>
-          </a:p>
-        </p:txBody>
-      </p:sp>
+        </p:nvPicPr>
+        <p:blipFill>
+          <a:blip r:embed="rId2">
+            <a:extLst>
+              <a:ext uri="{28A0092B-C50C-407E-A947-70E740481C1C}">
+                <a14:useLocalDpi xmlns:a14="http://schemas.microsoft.com/office/drawing/2010/main" val="0"/>
+              </a:ext>
+            </a:extLst>
+          </a:blip>
+          <a:srcRect/>
+          <a:stretch>
+            <a:fillRect/>
+          </a:stretch>
+        </p:blipFill>
+        <p:spPr bwMode="auto">
+          <a:xfrm>
+            <a:off x="457200" y="2109921"/>
+            <a:ext cx="8229600" cy="1166679"/>
+          </a:xfrm>
+          <a:prstGeom prst="rect">
+            <a:avLst/>
+          </a:prstGeom>
+          <a:noFill/>
+          <a:ln>
+            <a:noFill/>
+          </a:ln>
+          <a:effectLst/>
+          <a:extLst>
+            <a:ext uri="{909E8E84-426E-40DD-AFC4-6F175D3DCCD1}">
+              <a14:hiddenFill xmlns:a14="http://schemas.microsoft.com/office/drawing/2010/main">
+                <a:solidFill>
+                  <a:schemeClr val="accent1"/>
+                </a:solidFill>
+              </a14:hiddenFill>
+            </a:ext>
+            <a:ext uri="{91240B29-F687-4F45-9708-019B960494DF}">
+              <a14:hiddenLine xmlns:a14="http://schemas.microsoft.com/office/drawing/2010/main" w="9525">
+                <a:solidFill>
+                  <a:schemeClr val="tx1"/>
+                </a:solidFill>
+                <a:miter lim="800000"/>
+                <a:headEnd/>
+                <a:tailEnd/>
+              </a14:hiddenLine>
+            </a:ext>
+            <a:ext uri="{AF507438-7753-43E0-B8FC-AC1667EBCBE1}">
+              <a14:hiddenEffects xmlns:a14="http://schemas.microsoft.com/office/drawing/2010/main">
+                <a:effectLst>
+                  <a:outerShdw dist="35921" dir="2700000" algn="ctr" rotWithShape="0">
+                    <a:schemeClr val="bg2"/>
+                  </a:outerShdw>
+                </a:effectLst>
+              </a14:hiddenEffects>
+            </a:ext>
+          </a:extLst>
+        </p:spPr>
+      </p:pic>
     </p:spTree>
     <p:extLst>
       <p:ext uri="{BB962C8B-B14F-4D97-AF65-F5344CB8AC3E}">
-        <p14:creationId xmlns:p14="http://schemas.microsoft.com/office/powerpoint/2010/main" val="3364964212"/>
+        <p14:creationId xmlns:p14="http://schemas.microsoft.com/office/powerpoint/2010/main" val="3911852246"/>
       </p:ext>
     </p:extLst>
   </p:cSld>
   <p:clrMapOvr>
     <a:masterClrMapping/>
   </p:clrMapOvr>
-  <p:timing>
-    <p:tnLst>
-      <p:par>
-        <p:cTn id="1" dur="indefinite" restart="never" nodeType="tmRoot"/>
-      </p:par>
-    </p:tnLst>
-  </p:timing>
 </p:sld>
 </file>
 
